--- a/docs/documentation.pptx
+++ b/docs/documentation.pptx
@@ -6,6 +6,7 @@
   </p:sldMasterIdLst>
   <p:sldIdLst>
     <p:sldId id="256" r:id="rId2"/>
+    <p:sldId id="257" r:id="rId3"/>
   </p:sldIdLst>
   <p:sldSz cx="12192000" cy="6858000"/>
   <p:notesSz cx="6858000" cy="9144000"/>
@@ -104,6 +105,11 @@
       </a:defRPr>
     </a:lvl9pPr>
   </p:defaultTextStyle>
+  <p:extLst>
+    <p:ext uri="{EFAFB233-063F-42B5-8137-9DF3F51BA10A}">
+      <p15:sldGuideLst xmlns:p15="http://schemas.microsoft.com/office/powerpoint/2012/main"/>
+    </p:ext>
+  </p:extLst>
 </p:presentation>
 </file>
 
@@ -4144,6 +4150,880 @@
 </p:sld>
 </file>
 
+<file path=ppt/slides/slide2.xml><?xml version="1.0" encoding="utf-8"?>
+<p:sld xmlns:a="http://schemas.openxmlformats.org/drawingml/2006/main" xmlns:r="http://schemas.openxmlformats.org/officeDocument/2006/relationships" xmlns:p="http://schemas.openxmlformats.org/presentationml/2006/main">
+  <p:cSld>
+    <p:spTree>
+      <p:nvGrpSpPr>
+        <p:cNvPr id="1" name=""/>
+        <p:cNvGrpSpPr/>
+        <p:nvPr/>
+      </p:nvGrpSpPr>
+      <p:grpSpPr>
+        <a:xfrm>
+          <a:off x="0" y="0"/>
+          <a:ext cx="0" cy="0"/>
+          <a:chOff x="0" y="0"/>
+          <a:chExt cx="0" cy="0"/>
+        </a:xfrm>
+      </p:grpSpPr>
+      <p:pic>
+        <p:nvPicPr>
+          <p:cNvPr id="6" name="Grafik 5">
+            <a:extLst>
+              <a:ext uri="{FF2B5EF4-FFF2-40B4-BE49-F238E27FC236}">
+                <a16:creationId xmlns:a16="http://schemas.microsoft.com/office/drawing/2014/main" id="{0EFD56F5-B9F4-4CA1-8AAB-F37D6919A36B}"/>
+              </a:ext>
+            </a:extLst>
+          </p:cNvPr>
+          <p:cNvPicPr>
+            <a:picLocks noChangeAspect="1"/>
+          </p:cNvPicPr>
+          <p:nvPr/>
+        </p:nvPicPr>
+        <p:blipFill>
+          <a:blip r:embed="rId2">
+            <a:extLst>
+              <a:ext uri="{28A0092B-C50C-407E-A947-70E740481C1C}">
+                <a14:useLocalDpi xmlns:a14="http://schemas.microsoft.com/office/drawing/2010/main" val="0"/>
+              </a:ext>
+            </a:extLst>
+          </a:blip>
+          <a:stretch>
+            <a:fillRect/>
+          </a:stretch>
+        </p:blipFill>
+        <p:spPr>
+          <a:xfrm rot="721428" flipH="1">
+            <a:off x="5853021" y="3390773"/>
+            <a:ext cx="3434566" cy="1931943"/>
+          </a:xfrm>
+          <a:prstGeom prst="rect">
+            <a:avLst/>
+          </a:prstGeom>
+        </p:spPr>
+      </p:pic>
+      <p:pic>
+        <p:nvPicPr>
+          <p:cNvPr id="1026" name="Picture 2">
+            <a:extLst>
+              <a:ext uri="{FF2B5EF4-FFF2-40B4-BE49-F238E27FC236}">
+                <a16:creationId xmlns:a16="http://schemas.microsoft.com/office/drawing/2014/main" id="{EC2D8AE7-6C02-4AF6-A6BF-1A0A5DECA9BC}"/>
+              </a:ext>
+            </a:extLst>
+          </p:cNvPr>
+          <p:cNvPicPr>
+            <a:picLocks noChangeAspect="1" noChangeArrowheads="1"/>
+          </p:cNvPicPr>
+          <p:nvPr/>
+        </p:nvPicPr>
+        <p:blipFill>
+          <a:blip r:embed="rId3">
+            <a:extLst>
+              <a:ext uri="{28A0092B-C50C-407E-A947-70E740481C1C}">
+                <a14:useLocalDpi xmlns:a14="http://schemas.microsoft.com/office/drawing/2010/main" val="0"/>
+              </a:ext>
+            </a:extLst>
+          </a:blip>
+          <a:srcRect/>
+          <a:stretch>
+            <a:fillRect/>
+          </a:stretch>
+        </p:blipFill>
+        <p:spPr bwMode="auto">
+          <a:xfrm>
+            <a:off x="1037847" y="345109"/>
+            <a:ext cx="5804587" cy="4304122"/>
+          </a:xfrm>
+          <a:prstGeom prst="rect">
+            <a:avLst/>
+          </a:prstGeom>
+          <a:noFill/>
+          <a:extLst>
+            <a:ext uri="{909E8E84-426E-40DD-AFC4-6F175D3DCCD1}">
+              <a14:hiddenFill xmlns:a14="http://schemas.microsoft.com/office/drawing/2010/main">
+                <a:solidFill>
+                  <a:srgbClr val="FFFFFF"/>
+                </a:solidFill>
+              </a14:hiddenFill>
+            </a:ext>
+          </a:extLst>
+        </p:spPr>
+      </p:pic>
+      <p:pic>
+        <p:nvPicPr>
+          <p:cNvPr id="1030" name="Picture 6" descr="Bluetooth Low Energy – Wikipedia">
+            <a:extLst>
+              <a:ext uri="{FF2B5EF4-FFF2-40B4-BE49-F238E27FC236}">
+                <a16:creationId xmlns:a16="http://schemas.microsoft.com/office/drawing/2014/main" id="{3B67D545-B6EE-45E1-91E6-642B11F85FC4}"/>
+              </a:ext>
+            </a:extLst>
+          </p:cNvPr>
+          <p:cNvPicPr>
+            <a:picLocks noChangeAspect="1" noChangeArrowheads="1"/>
+          </p:cNvPicPr>
+          <p:nvPr/>
+        </p:nvPicPr>
+        <p:blipFill>
+          <a:blip r:embed="rId4">
+            <a:extLst>
+              <a:ext uri="{28A0092B-C50C-407E-A947-70E740481C1C}">
+                <a14:useLocalDpi xmlns:a14="http://schemas.microsoft.com/office/drawing/2010/main" val="0"/>
+              </a:ext>
+            </a:extLst>
+          </a:blip>
+          <a:srcRect/>
+          <a:stretch>
+            <a:fillRect/>
+          </a:stretch>
+        </p:blipFill>
+        <p:spPr bwMode="auto">
+          <a:xfrm>
+            <a:off x="6422714" y="1123450"/>
+            <a:ext cx="2249997" cy="736874"/>
+          </a:xfrm>
+          <a:prstGeom prst="rect">
+            <a:avLst/>
+          </a:prstGeom>
+          <a:noFill/>
+          <a:extLst>
+            <a:ext uri="{909E8E84-426E-40DD-AFC4-6F175D3DCCD1}">
+              <a14:hiddenFill xmlns:a14="http://schemas.microsoft.com/office/drawing/2010/main">
+                <a:solidFill>
+                  <a:srgbClr val="FFFFFF"/>
+                </a:solidFill>
+              </a14:hiddenFill>
+            </a:ext>
+          </a:extLst>
+        </p:spPr>
+      </p:pic>
+      <p:pic>
+        <p:nvPicPr>
+          <p:cNvPr id="13" name="Grafik 12" descr="Aktualisieren">
+            <a:extLst>
+              <a:ext uri="{FF2B5EF4-FFF2-40B4-BE49-F238E27FC236}">
+                <a16:creationId xmlns:a16="http://schemas.microsoft.com/office/drawing/2014/main" id="{084BD305-014D-4070-94F2-A270A02C9DAD}"/>
+              </a:ext>
+            </a:extLst>
+          </p:cNvPr>
+          <p:cNvPicPr>
+            <a:picLocks noChangeAspect="1"/>
+          </p:cNvPicPr>
+          <p:nvPr/>
+        </p:nvPicPr>
+        <p:blipFill>
+          <a:blip r:embed="rId5">
+            <a:extLst>
+              <a:ext uri="{28A0092B-C50C-407E-A947-70E740481C1C}">
+                <a14:useLocalDpi xmlns:a14="http://schemas.microsoft.com/office/drawing/2010/main" val="0"/>
+              </a:ext>
+              <a:ext uri="{96DAC541-7B7A-43D3-8B79-37D633B846F1}">
+                <asvg:svgBlip xmlns:asvg="http://schemas.microsoft.com/office/drawing/2016/SVG/main" r:embed="rId6"/>
+              </a:ext>
+            </a:extLst>
+          </a:blip>
+          <a:stretch>
+            <a:fillRect/>
+          </a:stretch>
+        </p:blipFill>
+        <p:spPr>
+          <a:xfrm rot="1074225" flipH="1">
+            <a:off x="9044546" y="4343914"/>
+            <a:ext cx="290435" cy="914400"/>
+          </a:xfrm>
+          <a:prstGeom prst="rect">
+            <a:avLst/>
+          </a:prstGeom>
+        </p:spPr>
+      </p:pic>
+      <p:cxnSp>
+        <p:nvCxnSpPr>
+          <p:cNvPr id="15" name="Gerader Verbinder 14">
+            <a:extLst>
+              <a:ext uri="{FF2B5EF4-FFF2-40B4-BE49-F238E27FC236}">
+                <a16:creationId xmlns:a16="http://schemas.microsoft.com/office/drawing/2014/main" id="{454D6E42-973A-4FE9-B15C-53493536ADEE}"/>
+              </a:ext>
+            </a:extLst>
+          </p:cNvPr>
+          <p:cNvCxnSpPr>
+            <a:cxnSpLocks/>
+          </p:cNvCxnSpPr>
+          <p:nvPr/>
+        </p:nvCxnSpPr>
+        <p:spPr>
+          <a:xfrm flipH="1" flipV="1">
+            <a:off x="6257517" y="3156230"/>
+            <a:ext cx="2937175" cy="1677670"/>
+          </a:xfrm>
+          <a:prstGeom prst="line">
+            <a:avLst/>
+          </a:prstGeom>
+          <a:ln w="28575">
+            <a:solidFill>
+              <a:schemeClr val="accent2"/>
+            </a:solidFill>
+            <a:prstDash val="solid"/>
+            <a:tailEnd type="triangle" w="lg" len="lg"/>
+          </a:ln>
+        </p:spPr>
+        <p:style>
+          <a:lnRef idx="1">
+            <a:schemeClr val="dk1"/>
+          </a:lnRef>
+          <a:fillRef idx="0">
+            <a:schemeClr val="dk1"/>
+          </a:fillRef>
+          <a:effectRef idx="0">
+            <a:schemeClr val="dk1"/>
+          </a:effectRef>
+          <a:fontRef idx="minor">
+            <a:schemeClr val="tx1"/>
+          </a:fontRef>
+        </p:style>
+      </p:cxnSp>
+      <p:sp>
+        <p:nvSpPr>
+          <p:cNvPr id="17" name="Textfeld 16">
+            <a:extLst>
+              <a:ext uri="{FF2B5EF4-FFF2-40B4-BE49-F238E27FC236}">
+                <a16:creationId xmlns:a16="http://schemas.microsoft.com/office/drawing/2014/main" id="{3CADAF23-6D0B-42F0-97F1-901336C5F5AC}"/>
+              </a:ext>
+            </a:extLst>
+          </p:cNvPr>
+          <p:cNvSpPr txBox="1"/>
+          <p:nvPr/>
+        </p:nvSpPr>
+        <p:spPr>
+          <a:xfrm>
+            <a:off x="8786045" y="5184621"/>
+            <a:ext cx="1664238" cy="646331"/>
+          </a:xfrm>
+          <a:prstGeom prst="rect">
+            <a:avLst/>
+          </a:prstGeom>
+          <a:noFill/>
+          <a:ln>
+            <a:noFill/>
+          </a:ln>
+        </p:spPr>
+        <p:style>
+          <a:lnRef idx="0">
+            <a:scrgbClr r="0" g="0" b="0"/>
+          </a:lnRef>
+          <a:fillRef idx="0">
+            <a:scrgbClr r="0" g="0" b="0"/>
+          </a:fillRef>
+          <a:effectRef idx="0">
+            <a:scrgbClr r="0" g="0" b="0"/>
+          </a:effectRef>
+          <a:fontRef idx="minor">
+            <a:schemeClr val="accent2"/>
+          </a:fontRef>
+        </p:style>
+        <p:txBody>
+          <a:bodyPr wrap="none" rtlCol="0">
+            <a:spAutoFit/>
+          </a:bodyPr>
+          <a:lstStyle/>
+          <a:p>
+            <a:r>
+              <a:rPr lang="de-DE" dirty="0"/>
+              <a:t>X-</a:t>
+            </a:r>
+            <a:r>
+              <a:rPr lang="de-DE" dirty="0" err="1"/>
+              <a:t>Axes</a:t>
+            </a:r>
+            <a:br>
+              <a:rPr lang="de-DE" dirty="0"/>
+            </a:br>
+            <a:r>
+              <a:rPr lang="de-DE" dirty="0"/>
+              <a:t>(IMU LSM9DS1)</a:t>
+            </a:r>
+          </a:p>
+        </p:txBody>
+      </p:sp>
+      <p:cxnSp>
+        <p:nvCxnSpPr>
+          <p:cNvPr id="18" name="Gerader Verbinder 17">
+            <a:extLst>
+              <a:ext uri="{FF2B5EF4-FFF2-40B4-BE49-F238E27FC236}">
+                <a16:creationId xmlns:a16="http://schemas.microsoft.com/office/drawing/2014/main" id="{F53EFE14-DE02-4843-8592-D24999EDC581}"/>
+              </a:ext>
+            </a:extLst>
+          </p:cNvPr>
+          <p:cNvCxnSpPr>
+            <a:cxnSpLocks/>
+          </p:cNvCxnSpPr>
+          <p:nvPr/>
+        </p:nvCxnSpPr>
+        <p:spPr>
+          <a:xfrm flipH="1">
+            <a:off x="6880801" y="3599523"/>
+            <a:ext cx="1131108" cy="1210920"/>
+          </a:xfrm>
+          <a:prstGeom prst="line">
+            <a:avLst/>
+          </a:prstGeom>
+          <a:ln w="28575">
+            <a:solidFill>
+              <a:schemeClr val="accent1"/>
+            </a:solidFill>
+            <a:prstDash val="solid"/>
+            <a:tailEnd type="triangle" w="lg" len="lg"/>
+          </a:ln>
+        </p:spPr>
+        <p:style>
+          <a:lnRef idx="1">
+            <a:schemeClr val="dk1"/>
+          </a:lnRef>
+          <a:fillRef idx="0">
+            <a:schemeClr val="dk1"/>
+          </a:fillRef>
+          <a:effectRef idx="0">
+            <a:schemeClr val="dk1"/>
+          </a:effectRef>
+          <a:fontRef idx="minor">
+            <a:schemeClr val="tx1"/>
+          </a:fontRef>
+        </p:style>
+      </p:cxnSp>
+      <p:sp>
+        <p:nvSpPr>
+          <p:cNvPr id="19" name="Textfeld 18">
+            <a:extLst>
+              <a:ext uri="{FF2B5EF4-FFF2-40B4-BE49-F238E27FC236}">
+                <a16:creationId xmlns:a16="http://schemas.microsoft.com/office/drawing/2014/main" id="{BFBCD188-CCC8-4050-99C2-D5E916CA5EE9}"/>
+              </a:ext>
+            </a:extLst>
+          </p:cNvPr>
+          <p:cNvSpPr txBox="1"/>
+          <p:nvPr/>
+        </p:nvSpPr>
+        <p:spPr>
+          <a:xfrm>
+            <a:off x="7862230" y="2602471"/>
+            <a:ext cx="1717137" cy="646331"/>
+          </a:xfrm>
+          <a:prstGeom prst="rect">
+            <a:avLst/>
+          </a:prstGeom>
+          <a:noFill/>
+          <a:ln>
+            <a:noFill/>
+          </a:ln>
+        </p:spPr>
+        <p:style>
+          <a:lnRef idx="0">
+            <a:scrgbClr r="0" g="0" b="0"/>
+          </a:lnRef>
+          <a:fillRef idx="0">
+            <a:scrgbClr r="0" g="0" b="0"/>
+          </a:fillRef>
+          <a:effectRef idx="0">
+            <a:scrgbClr r="0" g="0" b="0"/>
+          </a:effectRef>
+          <a:fontRef idx="minor">
+            <a:schemeClr val="accent1"/>
+          </a:fontRef>
+        </p:style>
+        <p:txBody>
+          <a:bodyPr wrap="none" rtlCol="0">
+            <a:spAutoFit/>
+          </a:bodyPr>
+          <a:lstStyle/>
+          <a:p>
+            <a:r>
+              <a:rPr lang="de-DE" dirty="0"/>
+              <a:t>Y-</a:t>
+            </a:r>
+            <a:r>
+              <a:rPr lang="de-DE" dirty="0" err="1"/>
+              <a:t>Axes</a:t>
+            </a:r>
+            <a:br>
+              <a:rPr lang="de-DE" dirty="0"/>
+            </a:br>
+            <a:r>
+              <a:rPr lang="de-DE" dirty="0"/>
+              <a:t>(IMU LSM9DS1) </a:t>
+            </a:r>
+          </a:p>
+        </p:txBody>
+      </p:sp>
+      <p:sp>
+        <p:nvSpPr>
+          <p:cNvPr id="20" name="Textfeld 19">
+            <a:extLst>
+              <a:ext uri="{FF2B5EF4-FFF2-40B4-BE49-F238E27FC236}">
+                <a16:creationId xmlns:a16="http://schemas.microsoft.com/office/drawing/2014/main" id="{9B161437-5735-47ED-B280-2B2D6A6201AA}"/>
+              </a:ext>
+            </a:extLst>
+          </p:cNvPr>
+          <p:cNvSpPr txBox="1"/>
+          <p:nvPr/>
+        </p:nvSpPr>
+        <p:spPr>
+          <a:xfrm>
+            <a:off x="6655082" y="2685689"/>
+            <a:ext cx="1044068" cy="646331"/>
+          </a:xfrm>
+          <a:prstGeom prst="rect">
+            <a:avLst/>
+          </a:prstGeom>
+          <a:noFill/>
+          <a:ln>
+            <a:noFill/>
+          </a:ln>
+        </p:spPr>
+        <p:style>
+          <a:lnRef idx="0">
+            <a:scrgbClr r="0" g="0" b="0"/>
+          </a:lnRef>
+          <a:fillRef idx="0">
+            <a:scrgbClr r="0" g="0" b="0"/>
+          </a:fillRef>
+          <a:effectRef idx="0">
+            <a:scrgbClr r="0" g="0" b="0"/>
+          </a:effectRef>
+          <a:fontRef idx="minor">
+            <a:schemeClr val="accent2"/>
+          </a:fontRef>
+        </p:style>
+        <p:txBody>
+          <a:bodyPr wrap="none" rtlCol="0">
+            <a:spAutoFit/>
+          </a:bodyPr>
+          <a:lstStyle/>
+          <a:p>
+            <a:r>
+              <a:rPr lang="de-DE" dirty="0" err="1"/>
+              <a:t>Direction</a:t>
+            </a:r>
+            <a:br>
+              <a:rPr lang="de-DE" dirty="0"/>
+            </a:br>
+            <a:r>
+              <a:rPr lang="de-DE" dirty="0" err="1"/>
+              <a:t>Left</a:t>
+            </a:r>
+            <a:endParaRPr lang="de-DE" dirty="0"/>
+          </a:p>
+        </p:txBody>
+      </p:sp>
+      <p:sp>
+        <p:nvSpPr>
+          <p:cNvPr id="21" name="Textfeld 20">
+            <a:extLst>
+              <a:ext uri="{FF2B5EF4-FFF2-40B4-BE49-F238E27FC236}">
+                <a16:creationId xmlns:a16="http://schemas.microsoft.com/office/drawing/2014/main" id="{9E4FF869-2F02-4034-8485-90E10CED7376}"/>
+              </a:ext>
+            </a:extLst>
+          </p:cNvPr>
+          <p:cNvSpPr txBox="1"/>
+          <p:nvPr/>
+        </p:nvSpPr>
+        <p:spPr>
+          <a:xfrm>
+            <a:off x="8284499" y="3265337"/>
+            <a:ext cx="962508" cy="646331"/>
+          </a:xfrm>
+          <a:prstGeom prst="rect">
+            <a:avLst/>
+          </a:prstGeom>
+          <a:noFill/>
+          <a:ln>
+            <a:noFill/>
+          </a:ln>
+        </p:spPr>
+        <p:style>
+          <a:lnRef idx="0">
+            <a:scrgbClr r="0" g="0" b="0"/>
+          </a:lnRef>
+          <a:fillRef idx="0">
+            <a:scrgbClr r="0" g="0" b="0"/>
+          </a:fillRef>
+          <a:effectRef idx="0">
+            <a:scrgbClr r="0" g="0" b="0"/>
+          </a:effectRef>
+          <a:fontRef idx="minor">
+            <a:schemeClr val="accent1"/>
+          </a:fontRef>
+        </p:style>
+        <p:txBody>
+          <a:bodyPr wrap="none" rtlCol="0">
+            <a:spAutoFit/>
+          </a:bodyPr>
+          <a:lstStyle/>
+          <a:p>
+            <a:r>
+              <a:rPr lang="de-DE" dirty="0"/>
+              <a:t>Speed</a:t>
+            </a:r>
+            <a:br>
+              <a:rPr lang="de-DE" dirty="0"/>
+            </a:br>
+            <a:r>
+              <a:rPr lang="de-DE" dirty="0"/>
+              <a:t>Forward</a:t>
+            </a:r>
+          </a:p>
+        </p:txBody>
+      </p:sp>
+      <p:sp>
+        <p:nvSpPr>
+          <p:cNvPr id="22" name="Textfeld 21">
+            <a:extLst>
+              <a:ext uri="{FF2B5EF4-FFF2-40B4-BE49-F238E27FC236}">
+                <a16:creationId xmlns:a16="http://schemas.microsoft.com/office/drawing/2014/main" id="{522D87EB-3E15-4209-BF9F-FF77F5F34126}"/>
+              </a:ext>
+            </a:extLst>
+          </p:cNvPr>
+          <p:cNvSpPr txBox="1"/>
+          <p:nvPr/>
+        </p:nvSpPr>
+        <p:spPr>
+          <a:xfrm>
+            <a:off x="5728868" y="3970702"/>
+            <a:ext cx="740972" cy="369332"/>
+          </a:xfrm>
+          <a:prstGeom prst="rect">
+            <a:avLst/>
+          </a:prstGeom>
+          <a:noFill/>
+          <a:ln>
+            <a:noFill/>
+          </a:ln>
+        </p:spPr>
+        <p:style>
+          <a:lnRef idx="0">
+            <a:scrgbClr r="0" g="0" b="0"/>
+          </a:lnRef>
+          <a:fillRef idx="0">
+            <a:scrgbClr r="0" g="0" b="0"/>
+          </a:fillRef>
+          <a:effectRef idx="0">
+            <a:scrgbClr r="0" g="0" b="0"/>
+          </a:effectRef>
+          <a:fontRef idx="minor">
+            <a:schemeClr val="accent5"/>
+          </a:fontRef>
+        </p:style>
+        <p:txBody>
+          <a:bodyPr wrap="none" rtlCol="0">
+            <a:spAutoFit/>
+          </a:bodyPr>
+          <a:lstStyle/>
+          <a:p>
+            <a:r>
+              <a:rPr lang="de-DE" dirty="0"/>
+              <a:t>Board</a:t>
+            </a:r>
+          </a:p>
+        </p:txBody>
+      </p:sp>
+      <p:sp>
+        <p:nvSpPr>
+          <p:cNvPr id="23" name="Textfeld 22">
+            <a:extLst>
+              <a:ext uri="{FF2B5EF4-FFF2-40B4-BE49-F238E27FC236}">
+                <a16:creationId xmlns:a16="http://schemas.microsoft.com/office/drawing/2014/main" id="{B88AFE5B-EE09-4CC0-B55B-D52867E1402E}"/>
+              </a:ext>
+            </a:extLst>
+          </p:cNvPr>
+          <p:cNvSpPr txBox="1"/>
+          <p:nvPr/>
+        </p:nvSpPr>
+        <p:spPr>
+          <a:xfrm>
+            <a:off x="8849800" y="4100479"/>
+            <a:ext cx="562975" cy="369332"/>
+          </a:xfrm>
+          <a:prstGeom prst="rect">
+            <a:avLst/>
+          </a:prstGeom>
+          <a:noFill/>
+          <a:ln>
+            <a:noFill/>
+          </a:ln>
+        </p:spPr>
+        <p:style>
+          <a:lnRef idx="0">
+            <a:scrgbClr r="0" g="0" b="0"/>
+          </a:lnRef>
+          <a:fillRef idx="0">
+            <a:scrgbClr r="0" g="0" b="0"/>
+          </a:fillRef>
+          <a:effectRef idx="0">
+            <a:scrgbClr r="0" g="0" b="0"/>
+          </a:effectRef>
+          <a:fontRef idx="minor">
+            <a:schemeClr val="accent3"/>
+          </a:fontRef>
+        </p:style>
+        <p:txBody>
+          <a:bodyPr wrap="none" rtlCol="0">
+            <a:spAutoFit/>
+          </a:bodyPr>
+          <a:lstStyle/>
+          <a:p>
+            <a:r>
+              <a:rPr lang="de-DE" dirty="0"/>
+              <a:t>USB</a:t>
+            </a:r>
+          </a:p>
+        </p:txBody>
+      </p:sp>
+      <p:sp>
+        <p:nvSpPr>
+          <p:cNvPr id="24" name="Textfeld 23">
+            <a:extLst>
+              <a:ext uri="{FF2B5EF4-FFF2-40B4-BE49-F238E27FC236}">
+                <a16:creationId xmlns:a16="http://schemas.microsoft.com/office/drawing/2014/main" id="{8A65D657-B4E9-42B6-870B-BAB712ECBBD8}"/>
+              </a:ext>
+            </a:extLst>
+          </p:cNvPr>
+          <p:cNvSpPr txBox="1"/>
+          <p:nvPr/>
+        </p:nvSpPr>
+        <p:spPr>
+          <a:xfrm>
+            <a:off x="9392882" y="4349163"/>
+            <a:ext cx="1044068" cy="646331"/>
+          </a:xfrm>
+          <a:prstGeom prst="rect">
+            <a:avLst/>
+          </a:prstGeom>
+          <a:noFill/>
+          <a:ln>
+            <a:noFill/>
+          </a:ln>
+        </p:spPr>
+        <p:style>
+          <a:lnRef idx="0">
+            <a:scrgbClr r="0" g="0" b="0"/>
+          </a:lnRef>
+          <a:fillRef idx="0">
+            <a:scrgbClr r="0" g="0" b="0"/>
+          </a:fillRef>
+          <a:effectRef idx="0">
+            <a:scrgbClr r="0" g="0" b="0"/>
+          </a:effectRef>
+          <a:fontRef idx="minor">
+            <a:schemeClr val="accent2"/>
+          </a:fontRef>
+        </p:style>
+        <p:txBody>
+          <a:bodyPr wrap="none" rtlCol="0">
+            <a:spAutoFit/>
+          </a:bodyPr>
+          <a:lstStyle/>
+          <a:p>
+            <a:r>
+              <a:rPr lang="de-DE" dirty="0" err="1"/>
+              <a:t>Direction</a:t>
+            </a:r>
+            <a:br>
+              <a:rPr lang="de-DE" dirty="0"/>
+            </a:br>
+            <a:r>
+              <a:rPr lang="de-DE" dirty="0"/>
+              <a:t>Right</a:t>
+            </a:r>
+          </a:p>
+        </p:txBody>
+      </p:sp>
+      <p:pic>
+        <p:nvPicPr>
+          <p:cNvPr id="25" name="Grafik 24" descr="Aktualisieren von RTL">
+            <a:extLst>
+              <a:ext uri="{FF2B5EF4-FFF2-40B4-BE49-F238E27FC236}">
+                <a16:creationId xmlns:a16="http://schemas.microsoft.com/office/drawing/2014/main" id="{D32EFC4C-824E-4758-881F-05544C03F9F2}"/>
+              </a:ext>
+            </a:extLst>
+          </p:cNvPr>
+          <p:cNvPicPr>
+            <a:picLocks noChangeAspect="1"/>
+          </p:cNvPicPr>
+          <p:nvPr/>
+        </p:nvPicPr>
+        <p:blipFill>
+          <a:blip r:embed="rId7">
+            <a:extLst>
+              <a:ext uri="{28A0092B-C50C-407E-A947-70E740481C1C}">
+                <a14:useLocalDpi xmlns:a14="http://schemas.microsoft.com/office/drawing/2010/main" val="0"/>
+              </a:ext>
+              <a:ext uri="{96DAC541-7B7A-43D3-8B79-37D633B846F1}">
+                <asvg:svgBlip xmlns:asvg="http://schemas.microsoft.com/office/drawing/2016/SVG/main" r:embed="rId8"/>
+              </a:ext>
+            </a:extLst>
+          </a:blip>
+          <a:stretch>
+            <a:fillRect/>
+          </a:stretch>
+        </p:blipFill>
+        <p:spPr>
+          <a:xfrm rot="1524162">
+            <a:off x="6174617" y="2785145"/>
+            <a:ext cx="496194" cy="914400"/>
+          </a:xfrm>
+          <a:prstGeom prst="rect">
+            <a:avLst/>
+          </a:prstGeom>
+        </p:spPr>
+      </p:pic>
+      <p:pic>
+        <p:nvPicPr>
+          <p:cNvPr id="26" name="Grafik 25" descr="Aktualisieren von RTL">
+            <a:extLst>
+              <a:ext uri="{FF2B5EF4-FFF2-40B4-BE49-F238E27FC236}">
+                <a16:creationId xmlns:a16="http://schemas.microsoft.com/office/drawing/2014/main" id="{947229E2-E9F0-49B6-84DB-2D9598FA5DB8}"/>
+              </a:ext>
+            </a:extLst>
+          </p:cNvPr>
+          <p:cNvPicPr>
+            <a:picLocks noChangeAspect="1"/>
+          </p:cNvPicPr>
+          <p:nvPr/>
+        </p:nvPicPr>
+        <p:blipFill>
+          <a:blip r:embed="rId9">
+            <a:extLst>
+              <a:ext uri="{28A0092B-C50C-407E-A947-70E740481C1C}">
+                <a14:useLocalDpi xmlns:a14="http://schemas.microsoft.com/office/drawing/2010/main" val="0"/>
+              </a:ext>
+              <a:ext uri="{96DAC541-7B7A-43D3-8B79-37D633B846F1}">
+                <asvg:svgBlip xmlns:asvg="http://schemas.microsoft.com/office/drawing/2016/SVG/main" r:embed="rId10"/>
+              </a:ext>
+            </a:extLst>
+          </a:blip>
+          <a:stretch>
+            <a:fillRect/>
+          </a:stretch>
+        </p:blipFill>
+        <p:spPr>
+          <a:xfrm rot="2546642" flipH="1">
+            <a:off x="6548304" y="4385836"/>
+            <a:ext cx="789079" cy="630018"/>
+          </a:xfrm>
+          <a:prstGeom prst="rect">
+            <a:avLst/>
+          </a:prstGeom>
+        </p:spPr>
+      </p:pic>
+      <p:pic>
+        <p:nvPicPr>
+          <p:cNvPr id="27" name="Grafik 26" descr="Aktualisieren von RTL">
+            <a:extLst>
+              <a:ext uri="{FF2B5EF4-FFF2-40B4-BE49-F238E27FC236}">
+                <a16:creationId xmlns:a16="http://schemas.microsoft.com/office/drawing/2014/main" id="{654E3AB7-0752-4F91-88CE-294E27A34306}"/>
+              </a:ext>
+            </a:extLst>
+          </p:cNvPr>
+          <p:cNvPicPr>
+            <a:picLocks noChangeAspect="1"/>
+          </p:cNvPicPr>
+          <p:nvPr/>
+        </p:nvPicPr>
+        <p:blipFill>
+          <a:blip r:embed="rId9">
+            <a:extLst>
+              <a:ext uri="{28A0092B-C50C-407E-A947-70E740481C1C}">
+                <a14:useLocalDpi xmlns:a14="http://schemas.microsoft.com/office/drawing/2010/main" val="0"/>
+              </a:ext>
+              <a:ext uri="{96DAC541-7B7A-43D3-8B79-37D633B846F1}">
+                <asvg:svgBlip xmlns:asvg="http://schemas.microsoft.com/office/drawing/2016/SVG/main" r:embed="rId10"/>
+              </a:ext>
+            </a:extLst>
+          </a:blip>
+          <a:stretch>
+            <a:fillRect/>
+          </a:stretch>
+        </p:blipFill>
+        <p:spPr>
+          <a:xfrm rot="19873233">
+            <a:off x="7699801" y="3171780"/>
+            <a:ext cx="690200" cy="764028"/>
+          </a:xfrm>
+          <a:prstGeom prst="rect">
+            <a:avLst/>
+          </a:prstGeom>
+        </p:spPr>
+      </p:pic>
+      <p:sp>
+        <p:nvSpPr>
+          <p:cNvPr id="28" name="Textfeld 27">
+            <a:extLst>
+              <a:ext uri="{FF2B5EF4-FFF2-40B4-BE49-F238E27FC236}">
+                <a16:creationId xmlns:a16="http://schemas.microsoft.com/office/drawing/2014/main" id="{F9C719EF-B931-460E-BBA6-2E14DC911611}"/>
+              </a:ext>
+            </a:extLst>
+          </p:cNvPr>
+          <p:cNvSpPr txBox="1"/>
+          <p:nvPr/>
+        </p:nvSpPr>
+        <p:spPr>
+          <a:xfrm>
+            <a:off x="7028687" y="4848118"/>
+            <a:ext cx="1094274" cy="646331"/>
+          </a:xfrm>
+          <a:prstGeom prst="rect">
+            <a:avLst/>
+          </a:prstGeom>
+          <a:noFill/>
+          <a:ln>
+            <a:noFill/>
+          </a:ln>
+        </p:spPr>
+        <p:style>
+          <a:lnRef idx="0">
+            <a:scrgbClr r="0" g="0" b="0"/>
+          </a:lnRef>
+          <a:fillRef idx="0">
+            <a:scrgbClr r="0" g="0" b="0"/>
+          </a:fillRef>
+          <a:effectRef idx="0">
+            <a:scrgbClr r="0" g="0" b="0"/>
+          </a:effectRef>
+          <a:fontRef idx="minor">
+            <a:schemeClr val="accent1"/>
+          </a:fontRef>
+        </p:style>
+        <p:txBody>
+          <a:bodyPr wrap="none" rtlCol="0">
+            <a:spAutoFit/>
+          </a:bodyPr>
+          <a:lstStyle/>
+          <a:p>
+            <a:r>
+              <a:rPr lang="de-DE" dirty="0"/>
+              <a:t>Speed</a:t>
+            </a:r>
+            <a:br>
+              <a:rPr lang="de-DE" dirty="0"/>
+            </a:br>
+            <a:r>
+              <a:rPr lang="de-DE" dirty="0" err="1"/>
+              <a:t>Backward</a:t>
+            </a:r>
+            <a:endParaRPr lang="de-DE" dirty="0"/>
+          </a:p>
+        </p:txBody>
+      </p:sp>
+    </p:spTree>
+    <p:extLst>
+      <p:ext uri="{BB962C8B-B14F-4D97-AF65-F5344CB8AC3E}">
+        <p14:creationId xmlns:p14="http://schemas.microsoft.com/office/powerpoint/2010/main" val="3297587435"/>
+      </p:ext>
+    </p:extLst>
+  </p:cSld>
+  <p:clrMapOvr>
+    <a:masterClrMapping/>
+  </p:clrMapOvr>
+</p:sld>
+</file>
+
 <file path=ppt/theme/theme1.xml><?xml version="1.0" encoding="utf-8"?>
 <a:theme xmlns:a="http://schemas.openxmlformats.org/drawingml/2006/main" name="Office">
   <a:themeElements>

--- a/docs/documentation.pptx
+++ b/docs/documentation.pptx
@@ -260,7 +260,7 @@
           <a:p>
             <a:fld id="{59BC7400-7F27-4CCC-848D-2F429C21A178}" type="datetimeFigureOut">
               <a:rPr lang="de-DE" smtClean="0"/>
-              <a:t>30.08.2020</a:t>
+              <a:t>31.08.2020</a:t>
             </a:fld>
             <a:endParaRPr lang="de-DE"/>
           </a:p>
@@ -458,7 +458,7 @@
           <a:p>
             <a:fld id="{59BC7400-7F27-4CCC-848D-2F429C21A178}" type="datetimeFigureOut">
               <a:rPr lang="de-DE" smtClean="0"/>
-              <a:t>30.08.2020</a:t>
+              <a:t>31.08.2020</a:t>
             </a:fld>
             <a:endParaRPr lang="de-DE"/>
           </a:p>
@@ -666,7 +666,7 @@
           <a:p>
             <a:fld id="{59BC7400-7F27-4CCC-848D-2F429C21A178}" type="datetimeFigureOut">
               <a:rPr lang="de-DE" smtClean="0"/>
-              <a:t>30.08.2020</a:t>
+              <a:t>31.08.2020</a:t>
             </a:fld>
             <a:endParaRPr lang="de-DE"/>
           </a:p>
@@ -864,7 +864,7 @@
           <a:p>
             <a:fld id="{59BC7400-7F27-4CCC-848D-2F429C21A178}" type="datetimeFigureOut">
               <a:rPr lang="de-DE" smtClean="0"/>
-              <a:t>30.08.2020</a:t>
+              <a:t>31.08.2020</a:t>
             </a:fld>
             <a:endParaRPr lang="de-DE"/>
           </a:p>
@@ -1139,7 +1139,7 @@
           <a:p>
             <a:fld id="{59BC7400-7F27-4CCC-848D-2F429C21A178}" type="datetimeFigureOut">
               <a:rPr lang="de-DE" smtClean="0"/>
-              <a:t>30.08.2020</a:t>
+              <a:t>31.08.2020</a:t>
             </a:fld>
             <a:endParaRPr lang="de-DE"/>
           </a:p>
@@ -1404,7 +1404,7 @@
           <a:p>
             <a:fld id="{59BC7400-7F27-4CCC-848D-2F429C21A178}" type="datetimeFigureOut">
               <a:rPr lang="de-DE" smtClean="0"/>
-              <a:t>30.08.2020</a:t>
+              <a:t>31.08.2020</a:t>
             </a:fld>
             <a:endParaRPr lang="de-DE"/>
           </a:p>
@@ -1816,7 +1816,7 @@
           <a:p>
             <a:fld id="{59BC7400-7F27-4CCC-848D-2F429C21A178}" type="datetimeFigureOut">
               <a:rPr lang="de-DE" smtClean="0"/>
-              <a:t>30.08.2020</a:t>
+              <a:t>31.08.2020</a:t>
             </a:fld>
             <a:endParaRPr lang="de-DE"/>
           </a:p>
@@ -1957,7 +1957,7 @@
           <a:p>
             <a:fld id="{59BC7400-7F27-4CCC-848D-2F429C21A178}" type="datetimeFigureOut">
               <a:rPr lang="de-DE" smtClean="0"/>
-              <a:t>30.08.2020</a:t>
+              <a:t>31.08.2020</a:t>
             </a:fld>
             <a:endParaRPr lang="de-DE"/>
           </a:p>
@@ -2070,7 +2070,7 @@
           <a:p>
             <a:fld id="{59BC7400-7F27-4CCC-848D-2F429C21A178}" type="datetimeFigureOut">
               <a:rPr lang="de-DE" smtClean="0"/>
-              <a:t>30.08.2020</a:t>
+              <a:t>31.08.2020</a:t>
             </a:fld>
             <a:endParaRPr lang="de-DE"/>
           </a:p>
@@ -2381,7 +2381,7 @@
           <a:p>
             <a:fld id="{59BC7400-7F27-4CCC-848D-2F429C21A178}" type="datetimeFigureOut">
               <a:rPr lang="de-DE" smtClean="0"/>
-              <a:t>30.08.2020</a:t>
+              <a:t>31.08.2020</a:t>
             </a:fld>
             <a:endParaRPr lang="de-DE"/>
           </a:p>
@@ -2669,7 +2669,7 @@
           <a:p>
             <a:fld id="{59BC7400-7F27-4CCC-848D-2F429C21A178}" type="datetimeFigureOut">
               <a:rPr lang="de-DE" smtClean="0"/>
-              <a:t>30.08.2020</a:t>
+              <a:t>31.08.2020</a:t>
             </a:fld>
             <a:endParaRPr lang="de-DE"/>
           </a:p>
@@ -2910,7 +2910,7 @@
           <a:p>
             <a:fld id="{59BC7400-7F27-4CCC-848D-2F429C21A178}" type="datetimeFigureOut">
               <a:rPr lang="de-DE" smtClean="0"/>
-              <a:t>30.08.2020</a:t>
+              <a:t>31.08.2020</a:t>
             </a:fld>
             <a:endParaRPr lang="de-DE"/>
           </a:p>
@@ -4567,7 +4567,7 @@
         <p:spPr>
           <a:xfrm>
             <a:off x="6655082" y="2685689"/>
-            <a:ext cx="1044068" cy="646331"/>
+            <a:ext cx="606384" cy="646331"/>
           </a:xfrm>
           <a:prstGeom prst="rect">
             <a:avLst/>
@@ -4598,8 +4598,8 @@
           <a:lstStyle/>
           <a:p>
             <a:r>
-              <a:rPr lang="de-DE" dirty="0" err="1"/>
-              <a:t>Direction</a:t>
+              <a:rPr lang="de-DE" dirty="0"/>
+              <a:t>Turn</a:t>
             </a:r>
             <a:br>
               <a:rPr lang="de-DE" dirty="0"/>
@@ -4659,7 +4659,7 @@
           <a:p>
             <a:r>
               <a:rPr lang="de-DE" dirty="0"/>
-              <a:t>Speed</a:t>
+              <a:t>Move</a:t>
             </a:r>
             <a:br>
               <a:rPr lang="de-DE" dirty="0"/>
@@ -4725,10 +4725,10 @@
       </p:sp>
       <p:sp>
         <p:nvSpPr>
-          <p:cNvPr id="23" name="Textfeld 22">
-            <a:extLst>
-              <a:ext uri="{FF2B5EF4-FFF2-40B4-BE49-F238E27FC236}">
-                <a16:creationId xmlns:a16="http://schemas.microsoft.com/office/drawing/2014/main" id="{B88AFE5B-EE09-4CC0-B55B-D52867E1402E}"/>
+          <p:cNvPr id="24" name="Textfeld 23">
+            <a:extLst>
+              <a:ext uri="{FF2B5EF4-FFF2-40B4-BE49-F238E27FC236}">
+                <a16:creationId xmlns:a16="http://schemas.microsoft.com/office/drawing/2014/main" id="{8A65D657-B4E9-42B6-870B-BAB712ECBBD8}"/>
               </a:ext>
             </a:extLst>
           </p:cNvPr>
@@ -4737,60 +4737,8 @@
         </p:nvSpPr>
         <p:spPr>
           <a:xfrm>
-            <a:off x="8849800" y="4100479"/>
-            <a:ext cx="562975" cy="369332"/>
-          </a:xfrm>
-          <a:prstGeom prst="rect">
-            <a:avLst/>
-          </a:prstGeom>
-          <a:noFill/>
-          <a:ln>
-            <a:noFill/>
-          </a:ln>
-        </p:spPr>
-        <p:style>
-          <a:lnRef idx="0">
-            <a:scrgbClr r="0" g="0" b="0"/>
-          </a:lnRef>
-          <a:fillRef idx="0">
-            <a:scrgbClr r="0" g="0" b="0"/>
-          </a:fillRef>
-          <a:effectRef idx="0">
-            <a:scrgbClr r="0" g="0" b="0"/>
-          </a:effectRef>
-          <a:fontRef idx="minor">
-            <a:schemeClr val="accent3"/>
-          </a:fontRef>
-        </p:style>
-        <p:txBody>
-          <a:bodyPr wrap="none" rtlCol="0">
-            <a:spAutoFit/>
-          </a:bodyPr>
-          <a:lstStyle/>
-          <a:p>
-            <a:r>
-              <a:rPr lang="de-DE" dirty="0"/>
-              <a:t>USB</a:t>
-            </a:r>
-          </a:p>
-        </p:txBody>
-      </p:sp>
-      <p:sp>
-        <p:nvSpPr>
-          <p:cNvPr id="24" name="Textfeld 23">
-            <a:extLst>
-              <a:ext uri="{FF2B5EF4-FFF2-40B4-BE49-F238E27FC236}">
-                <a16:creationId xmlns:a16="http://schemas.microsoft.com/office/drawing/2014/main" id="{8A65D657-B4E9-42B6-870B-BAB712ECBBD8}"/>
-              </a:ext>
-            </a:extLst>
-          </p:cNvPr>
-          <p:cNvSpPr txBox="1"/>
-          <p:nvPr/>
-        </p:nvSpPr>
-        <p:spPr>
-          <a:xfrm>
             <a:off x="9392882" y="4349163"/>
-            <a:ext cx="1044068" cy="646331"/>
+            <a:ext cx="668260" cy="646331"/>
           </a:xfrm>
           <a:prstGeom prst="rect">
             <a:avLst/>
@@ -4821,8 +4769,8 @@
           <a:lstStyle/>
           <a:p>
             <a:r>
-              <a:rPr lang="de-DE" dirty="0" err="1"/>
-              <a:t>Direction</a:t>
+              <a:rPr lang="de-DE" dirty="0"/>
+              <a:t>Turn</a:t>
             </a:r>
             <a:br>
               <a:rPr lang="de-DE" dirty="0"/>
@@ -4998,7 +4946,7 @@
           <a:p>
             <a:r>
               <a:rPr lang="de-DE" dirty="0"/>
-              <a:t>Speed</a:t>
+              <a:t>Move</a:t>
             </a:r>
             <a:br>
               <a:rPr lang="de-DE" dirty="0"/>
